--- a/機器學習-房價預測報告.pptx
+++ b/機器學習-房價預測報告.pptx
@@ -3260,7 +3260,7 @@
           <a:p>
             <a:fld id="{56E00750-6117-40C4-B522-257422BB80A1}" type="datetimeFigureOut">
               <a:rPr lang="zh-TW" altLang="en-US" smtClean="0"/>
-              <a:t>2021/11/27</a:t>
+              <a:t>2021/11/28</a:t>
             </a:fld>
             <a:endParaRPr lang="zh-TW" altLang="en-US"/>
           </a:p>
@@ -3854,7 +3854,7 @@
           <a:p>
             <a:fld id="{3FFD50A8-1F6C-2248-A42F-19FFEF4430D2}" type="datetimeFigureOut">
               <a:rPr kumimoji="1" lang="zh-TW" altLang="en-US" smtClean="0"/>
-              <a:t>2021/11/27</a:t>
+              <a:t>2021/11/28</a:t>
             </a:fld>
             <a:endParaRPr kumimoji="1" lang="zh-TW" altLang="en-US"/>
           </a:p>
@@ -4065,7 +4065,7 @@
           <a:p>
             <a:fld id="{3FFD50A8-1F6C-2248-A42F-19FFEF4430D2}" type="datetimeFigureOut">
               <a:rPr kumimoji="1" lang="zh-TW" altLang="en-US" smtClean="0"/>
-              <a:t>2021/11/27</a:t>
+              <a:t>2021/11/28</a:t>
             </a:fld>
             <a:endParaRPr kumimoji="1" lang="zh-TW" altLang="en-US"/>
           </a:p>
@@ -4280,7 +4280,7 @@
           <a:p>
             <a:fld id="{3FFD50A8-1F6C-2248-A42F-19FFEF4430D2}" type="datetimeFigureOut">
               <a:rPr kumimoji="1" lang="zh-TW" altLang="en-US" smtClean="0"/>
-              <a:t>2021/11/27</a:t>
+              <a:t>2021/11/28</a:t>
             </a:fld>
             <a:endParaRPr kumimoji="1" lang="zh-TW" altLang="en-US"/>
           </a:p>
@@ -4481,7 +4481,7 @@
           <a:p>
             <a:fld id="{3FFD50A8-1F6C-2248-A42F-19FFEF4430D2}" type="datetimeFigureOut">
               <a:rPr kumimoji="1" lang="zh-TW" altLang="en-US" smtClean="0"/>
-              <a:t>2021/11/27</a:t>
+              <a:t>2021/11/28</a:t>
             </a:fld>
             <a:endParaRPr kumimoji="1" lang="zh-TW" altLang="en-US"/>
           </a:p>
@@ -4760,7 +4760,7 @@
           <a:p>
             <a:fld id="{3FFD50A8-1F6C-2248-A42F-19FFEF4430D2}" type="datetimeFigureOut">
               <a:rPr kumimoji="1" lang="zh-TW" altLang="en-US" smtClean="0"/>
-              <a:t>2021/11/27</a:t>
+              <a:t>2021/11/28</a:t>
             </a:fld>
             <a:endParaRPr kumimoji="1" lang="zh-TW" altLang="en-US"/>
           </a:p>
@@ -5028,7 +5028,7 @@
           <a:p>
             <a:fld id="{3FFD50A8-1F6C-2248-A42F-19FFEF4430D2}" type="datetimeFigureOut">
               <a:rPr kumimoji="1" lang="zh-TW" altLang="en-US" smtClean="0"/>
-              <a:t>2021/11/27</a:t>
+              <a:t>2021/11/28</a:t>
             </a:fld>
             <a:endParaRPr kumimoji="1" lang="zh-TW" altLang="en-US"/>
           </a:p>
@@ -5444,7 +5444,7 @@
           <a:p>
             <a:fld id="{3FFD50A8-1F6C-2248-A42F-19FFEF4430D2}" type="datetimeFigureOut">
               <a:rPr kumimoji="1" lang="zh-TW" altLang="en-US" smtClean="0"/>
-              <a:t>2021/11/27</a:t>
+              <a:t>2021/11/28</a:t>
             </a:fld>
             <a:endParaRPr kumimoji="1" lang="zh-TW" altLang="en-US"/>
           </a:p>
@@ -5593,7 +5593,7 @@
           <a:p>
             <a:fld id="{3FFD50A8-1F6C-2248-A42F-19FFEF4430D2}" type="datetimeFigureOut">
               <a:rPr kumimoji="1" lang="zh-TW" altLang="en-US" smtClean="0"/>
-              <a:t>2021/11/27</a:t>
+              <a:t>2021/11/28</a:t>
             </a:fld>
             <a:endParaRPr kumimoji="1" lang="zh-TW" altLang="en-US"/>
           </a:p>
@@ -5719,7 +5719,7 @@
           <a:p>
             <a:fld id="{3FFD50A8-1F6C-2248-A42F-19FFEF4430D2}" type="datetimeFigureOut">
               <a:rPr kumimoji="1" lang="zh-TW" altLang="en-US" smtClean="0"/>
-              <a:t>2021/11/27</a:t>
+              <a:t>2021/11/28</a:t>
             </a:fld>
             <a:endParaRPr kumimoji="1" lang="zh-TW" altLang="en-US"/>
           </a:p>
@@ -5970,7 +5970,7 @@
           <a:p>
             <a:fld id="{3FFD50A8-1F6C-2248-A42F-19FFEF4430D2}" type="datetimeFigureOut">
               <a:rPr kumimoji="1" lang="zh-TW" altLang="en-US" smtClean="0"/>
-              <a:t>2021/11/27</a:t>
+              <a:t>2021/11/28</a:t>
             </a:fld>
             <a:endParaRPr kumimoji="1" lang="zh-TW" altLang="en-US"/>
           </a:p>
@@ -6415,7 +6415,7 @@
           <a:p>
             <a:fld id="{3FFD50A8-1F6C-2248-A42F-19FFEF4430D2}" type="datetimeFigureOut">
               <a:rPr kumimoji="1" lang="zh-TW" altLang="en-US" smtClean="0"/>
-              <a:t>2021/11/27</a:t>
+              <a:t>2021/11/28</a:t>
             </a:fld>
             <a:endParaRPr kumimoji="1" lang="zh-TW" altLang="en-US"/>
           </a:p>
@@ -6742,7 +6742,7 @@
           <a:p>
             <a:fld id="{3FFD50A8-1F6C-2248-A42F-19FFEF4430D2}" type="datetimeFigureOut">
               <a:rPr kumimoji="1" lang="zh-TW" altLang="en-US" smtClean="0"/>
-              <a:t>2021/11/27</a:t>
+              <a:t>2021/11/28</a:t>
             </a:fld>
             <a:endParaRPr kumimoji="1" lang="zh-TW" altLang="en-US"/>
           </a:p>
@@ -8016,7 +8016,18 @@
           <a:p>
             <a:r>
               <a:rPr lang="zh-TW" altLang="en-US" sz="1600" dirty="0"/>
-              <a:t>對各特徵值進行細處理</a:t>
+              <a:t>誤差太大可能是因為對原資料的預處理不夠詳細，比如說郵遞區號的區域偏差，導致的價格差異，希望以城市去做大概的區分。</a:t>
+            </a:r>
+            <a:endParaRPr lang="en-US" altLang="zh-TW" sz="1600" dirty="0"/>
+          </a:p>
+          <a:p>
+            <a:r>
+              <a:rPr lang="zh-TW" altLang="en-US" sz="1600"/>
+              <a:t>對其他各</a:t>
+            </a:r>
+            <a:r>
+              <a:rPr lang="zh-TW" altLang="en-US" sz="1600" dirty="0"/>
+              <a:t>特徵值進行細處理</a:t>
             </a:r>
             <a:endParaRPr lang="en-US" altLang="zh-TW" sz="1600" dirty="0"/>
           </a:p>
